--- a/01.pptx
+++ b/01.pptx
@@ -298,7 +298,7 @@
           <a:p>
             <a:fld id="{AA93C23F-80D8-41F7-A602-5BAA4D96D6F7}" type="datetimeFigureOut">
               <a:rPr lang="ko-KR" altLang="en-US" smtClean="0"/>
-              <a:t>2025-02-27</a:t>
+              <a:t>2025-03-15</a:t>
             </a:fld>
             <a:endParaRPr lang="ko-KR" altLang="en-US"/>
           </a:p>
@@ -520,7 +520,7 @@
           <a:p>
             <a:fld id="{AA93C23F-80D8-41F7-A602-5BAA4D96D6F7}" type="datetimeFigureOut">
               <a:rPr lang="ko-KR" altLang="en-US" smtClean="0"/>
-              <a:t>2025-02-27</a:t>
+              <a:t>2025-03-15</a:t>
             </a:fld>
             <a:endParaRPr lang="ko-KR" altLang="en-US"/>
           </a:p>
@@ -698,7 +698,7 @@
           <a:p>
             <a:fld id="{AA93C23F-80D8-41F7-A602-5BAA4D96D6F7}" type="datetimeFigureOut">
               <a:rPr lang="ko-KR" altLang="en-US" smtClean="0"/>
-              <a:t>2025-02-27</a:t>
+              <a:t>2025-03-15</a:t>
             </a:fld>
             <a:endParaRPr lang="ko-KR" altLang="en-US"/>
           </a:p>
@@ -893,7 +893,7 @@
                 <a:tabLst/>
                 <a:defRPr/>
               </a:pPr>
-              <a:t>2025-02-27</a:t>
+              <a:t>2025-03-15</a:t>
             </a:fld>
             <a:endParaRPr kumimoji="0" lang="ko-KR" altLang="en-US" sz="1200" b="0" i="0" u="none" strike="noStrike" kern="1200" cap="none" spc="0" normalizeH="0" baseline="0" noProof="0">
               <a:ln>
@@ -1408,7 +1408,7 @@
                 <a:tabLst/>
                 <a:defRPr/>
               </a:pPr>
-              <a:t>2025-02-27</a:t>
+              <a:t>2025-03-15</a:t>
             </a:fld>
             <a:endParaRPr kumimoji="0" lang="ko-KR" altLang="en-US" sz="1200" b="0" i="0" u="none" strike="noStrike" kern="1200" cap="none" spc="0" normalizeH="0" baseline="0" noProof="0">
               <a:ln>
@@ -1813,7 +1813,7 @@
                 <a:tabLst/>
                 <a:defRPr/>
               </a:pPr>
-              <a:t>2025-02-27</a:t>
+              <a:t>2025-03-15</a:t>
             </a:fld>
             <a:endParaRPr kumimoji="0" lang="ko-KR" altLang="en-US" sz="1200" b="0" i="0" u="none" strike="noStrike" kern="1200" cap="none" spc="0" normalizeH="0" baseline="0" noProof="0">
               <a:ln>
@@ -2202,7 +2202,7 @@
                 <a:tabLst/>
                 <a:defRPr/>
               </a:pPr>
-              <a:t>2025-02-27</a:t>
+              <a:t>2025-03-15</a:t>
             </a:fld>
             <a:endParaRPr kumimoji="0" lang="ko-KR" altLang="en-US" sz="1200" b="0" i="0" u="none" strike="noStrike" kern="1200" cap="none" spc="0" normalizeH="0" baseline="0" noProof="0">
               <a:ln>
@@ -2726,7 +2726,7 @@
                 <a:tabLst/>
                 <a:defRPr/>
               </a:pPr>
-              <a:t>2025-02-27</a:t>
+              <a:t>2025-03-15</a:t>
             </a:fld>
             <a:endParaRPr kumimoji="0" lang="ko-KR" altLang="en-US" sz="1200" b="0" i="0" u="none" strike="noStrike" kern="1200" cap="none" spc="0" normalizeH="0" baseline="0" noProof="0">
               <a:ln>
@@ -3003,7 +3003,7 @@
                 <a:tabLst/>
                 <a:defRPr/>
               </a:pPr>
-              <a:t>2025-02-27</a:t>
+              <a:t>2025-03-15</a:t>
             </a:fld>
             <a:endParaRPr kumimoji="0" lang="ko-KR" altLang="en-US" sz="1200" b="0" i="0" u="none" strike="noStrike" kern="1200" cap="none" spc="0" normalizeH="0" baseline="0" noProof="0">
               <a:ln>
@@ -3258,7 +3258,7 @@
                 <a:tabLst/>
                 <a:defRPr/>
               </a:pPr>
-              <a:t>2025-02-27</a:t>
+              <a:t>2025-03-15</a:t>
             </a:fld>
             <a:endParaRPr kumimoji="0" lang="ko-KR" altLang="en-US" sz="1200" b="0" i="0" u="none" strike="noStrike" kern="1200" cap="none" spc="0" normalizeH="0" baseline="0" noProof="0">
               <a:ln>
@@ -3693,7 +3693,7 @@
                 <a:tabLst/>
                 <a:defRPr/>
               </a:pPr>
-              <a:t>2025-02-27</a:t>
+              <a:t>2025-03-15</a:t>
             </a:fld>
             <a:endParaRPr kumimoji="0" lang="ko-KR" altLang="en-US" sz="1200" b="0" i="0" u="none" strike="noStrike" kern="1200" cap="none" spc="0" normalizeH="0" baseline="0" noProof="0">
               <a:ln>
@@ -3988,7 +3988,7 @@
           <a:p>
             <a:fld id="{AA93C23F-80D8-41F7-A602-5BAA4D96D6F7}" type="datetimeFigureOut">
               <a:rPr lang="ko-KR" altLang="en-US" smtClean="0"/>
-              <a:t>2025-02-27</a:t>
+              <a:t>2025-03-15</a:t>
             </a:fld>
             <a:endParaRPr lang="ko-KR" altLang="en-US"/>
           </a:p>
@@ -4289,7 +4289,7 @@
                 <a:tabLst/>
                 <a:defRPr/>
               </a:pPr>
-              <a:t>2025-02-27</a:t>
+              <a:t>2025-03-15</a:t>
             </a:fld>
             <a:endParaRPr kumimoji="0" lang="ko-KR" altLang="en-US" sz="1200" b="0" i="0" u="none" strike="noStrike" kern="1200" cap="none" spc="0" normalizeH="0" baseline="0" noProof="0">
               <a:ln>
@@ -4617,7 +4617,7 @@
                 <a:tabLst/>
                 <a:defRPr/>
               </a:pPr>
-              <a:t>2025-02-27</a:t>
+              <a:t>2025-03-15</a:t>
             </a:fld>
             <a:endParaRPr kumimoji="0" lang="ko-KR" altLang="en-US" sz="1200" b="0" i="0" u="none" strike="noStrike" kern="1200" cap="none" spc="0" normalizeH="0" baseline="0" noProof="0">
               <a:ln>
@@ -4955,7 +4955,7 @@
                 <a:tabLst/>
                 <a:defRPr/>
               </a:pPr>
-              <a:t>2025-02-27</a:t>
+              <a:t>2025-03-15</a:t>
             </a:fld>
             <a:endParaRPr kumimoji="0" lang="ko-KR" altLang="en-US" sz="1200" b="0" i="0" u="none" strike="noStrike" kern="1200" cap="none" spc="0" normalizeH="0" baseline="0" noProof="0">
               <a:ln>
@@ -5311,7 +5311,7 @@
           <a:p>
             <a:fld id="{AA93C23F-80D8-41F7-A602-5BAA4D96D6F7}" type="datetimeFigureOut">
               <a:rPr lang="ko-KR" altLang="en-US" smtClean="0"/>
-              <a:t>2025-02-27</a:t>
+              <a:t>2025-03-15</a:t>
             </a:fld>
             <a:endParaRPr lang="ko-KR" altLang="en-US"/>
           </a:p>
@@ -5540,7 +5540,7 @@
           <a:p>
             <a:fld id="{AA93C23F-80D8-41F7-A602-5BAA4D96D6F7}" type="datetimeFigureOut">
               <a:rPr lang="ko-KR" altLang="en-US" smtClean="0"/>
-              <a:t>2025-02-27</a:t>
+              <a:t>2025-03-15</a:t>
             </a:fld>
             <a:endParaRPr lang="ko-KR" altLang="en-US"/>
           </a:p>
@@ -5904,7 +5904,7 @@
           <a:p>
             <a:fld id="{AA93C23F-80D8-41F7-A602-5BAA4D96D6F7}" type="datetimeFigureOut">
               <a:rPr lang="ko-KR" altLang="en-US" smtClean="0"/>
-              <a:t>2025-02-27</a:t>
+              <a:t>2025-03-15</a:t>
             </a:fld>
             <a:endParaRPr lang="ko-KR" altLang="en-US"/>
           </a:p>
@@ -6021,7 +6021,7 @@
           <a:p>
             <a:fld id="{AA93C23F-80D8-41F7-A602-5BAA4D96D6F7}" type="datetimeFigureOut">
               <a:rPr lang="ko-KR" altLang="en-US" smtClean="0"/>
-              <a:t>2025-02-27</a:t>
+              <a:t>2025-03-15</a:t>
             </a:fld>
             <a:endParaRPr lang="ko-KR" altLang="en-US"/>
           </a:p>
@@ -6116,7 +6116,7 @@
           <a:p>
             <a:fld id="{AA93C23F-80D8-41F7-A602-5BAA4D96D6F7}" type="datetimeFigureOut">
               <a:rPr lang="ko-KR" altLang="en-US" smtClean="0"/>
-              <a:t>2025-02-27</a:t>
+              <a:t>2025-03-15</a:t>
             </a:fld>
             <a:endParaRPr lang="ko-KR" altLang="en-US"/>
           </a:p>
@@ -6391,7 +6391,7 @@
           <a:p>
             <a:fld id="{AA93C23F-80D8-41F7-A602-5BAA4D96D6F7}" type="datetimeFigureOut">
               <a:rPr lang="ko-KR" altLang="en-US" smtClean="0"/>
-              <a:t>2025-02-27</a:t>
+              <a:t>2025-03-15</a:t>
             </a:fld>
             <a:endParaRPr lang="ko-KR" altLang="en-US"/>
           </a:p>
@@ -6643,7 +6643,7 @@
           <a:p>
             <a:fld id="{AA93C23F-80D8-41F7-A602-5BAA4D96D6F7}" type="datetimeFigureOut">
               <a:rPr lang="ko-KR" altLang="en-US" smtClean="0"/>
-              <a:t>2025-02-27</a:t>
+              <a:t>2025-03-15</a:t>
             </a:fld>
             <a:endParaRPr lang="ko-KR" altLang="en-US"/>
           </a:p>
@@ -6854,7 +6854,7 @@
           <a:p>
             <a:fld id="{AA93C23F-80D8-41F7-A602-5BAA4D96D6F7}" type="datetimeFigureOut">
               <a:rPr lang="ko-KR" altLang="en-US" smtClean="0"/>
-              <a:t>2025-02-27</a:t>
+              <a:t>2025-03-15</a:t>
             </a:fld>
             <a:endParaRPr lang="ko-KR" altLang="en-US"/>
           </a:p>
@@ -7565,7 +7565,7 @@
                 <a:tabLst/>
                 <a:defRPr/>
               </a:pPr>
-              <a:t>2025-02-27</a:t>
+              <a:t>2025-03-15</a:t>
             </a:fld>
             <a:endParaRPr kumimoji="0" lang="ko-KR" altLang="en-US" sz="1200" b="0" i="0" u="none" strike="noStrike" kern="1200" cap="none" spc="0" normalizeH="0" baseline="0" noProof="0">
               <a:ln>
@@ -9675,6 +9675,50 @@
           </a:p>
         </p:txBody>
       </p:sp>
+      <p:sp>
+        <p:nvSpPr>
+          <p:cNvPr id="5" name="TextBox 4">
+            <a:extLst>
+              <a:ext uri="{FF2B5EF4-FFF2-40B4-BE49-F238E27FC236}">
+                <a16:creationId xmlns:a16="http://schemas.microsoft.com/office/drawing/2014/main" id="{761F7071-E86E-4630-A145-FC9B6DDF59BB}"/>
+              </a:ext>
+            </a:extLst>
+          </p:cNvPr>
+          <p:cNvSpPr txBox="1"/>
+          <p:nvPr/>
+        </p:nvSpPr>
+        <p:spPr>
+          <a:xfrm>
+            <a:off x="11275690" y="276837"/>
+            <a:ext cx="550151" cy="338554"/>
+          </a:xfrm>
+          <a:prstGeom prst="rect">
+            <a:avLst/>
+          </a:prstGeom>
+          <a:noFill/>
+        </p:spPr>
+        <p:txBody>
+          <a:bodyPr wrap="none" rtlCol="0">
+            <a:spAutoFit/>
+          </a:bodyPr>
+          <a:lstStyle/>
+          <a:p>
+            <a:r>
+              <a:rPr lang="en-US" altLang="ko-KR" sz="1600" b="1" dirty="0">
+                <a:solidFill>
+                  <a:schemeClr val="bg1"/>
+                </a:solidFill>
+              </a:rPr>
+              <a:t>p32</a:t>
+            </a:r>
+            <a:endParaRPr lang="ko-KR" altLang="en-US" sz="1600" b="1" dirty="0">
+              <a:solidFill>
+                <a:schemeClr val="bg1"/>
+              </a:solidFill>
+            </a:endParaRPr>
+          </a:p>
+        </p:txBody>
+      </p:sp>
     </p:spTree>
     <p:extLst>
       <p:ext uri="{BB962C8B-B14F-4D97-AF65-F5344CB8AC3E}">
@@ -10115,6 +10159,50 @@
           </a:p>
         </p:txBody>
       </p:sp>
+      <p:sp>
+        <p:nvSpPr>
+          <p:cNvPr id="9" name="TextBox 8">
+            <a:extLst>
+              <a:ext uri="{FF2B5EF4-FFF2-40B4-BE49-F238E27FC236}">
+                <a16:creationId xmlns:a16="http://schemas.microsoft.com/office/drawing/2014/main" id="{C754BE2E-1F0F-4E10-B396-731BF026C02F}"/>
+              </a:ext>
+            </a:extLst>
+          </p:cNvPr>
+          <p:cNvSpPr txBox="1"/>
+          <p:nvPr/>
+        </p:nvSpPr>
+        <p:spPr>
+          <a:xfrm>
+            <a:off x="11275690" y="276837"/>
+            <a:ext cx="550151" cy="338554"/>
+          </a:xfrm>
+          <a:prstGeom prst="rect">
+            <a:avLst/>
+          </a:prstGeom>
+          <a:noFill/>
+        </p:spPr>
+        <p:txBody>
+          <a:bodyPr wrap="none" rtlCol="0">
+            <a:spAutoFit/>
+          </a:bodyPr>
+          <a:lstStyle/>
+          <a:p>
+            <a:r>
+              <a:rPr lang="en-US" altLang="ko-KR" sz="1600" b="1" dirty="0">
+                <a:solidFill>
+                  <a:schemeClr val="bg1"/>
+                </a:solidFill>
+              </a:rPr>
+              <a:t>p38</a:t>
+            </a:r>
+            <a:endParaRPr lang="ko-KR" altLang="en-US" sz="1600" b="1" dirty="0">
+              <a:solidFill>
+                <a:schemeClr val="bg1"/>
+              </a:solidFill>
+            </a:endParaRPr>
+          </a:p>
+        </p:txBody>
+      </p:sp>
     </p:spTree>
     <p:extLst>
       <p:ext uri="{BB962C8B-B14F-4D97-AF65-F5344CB8AC3E}">
@@ -10915,6 +11003,50 @@
           </a:p>
         </p:txBody>
       </p:sp>
+      <p:sp>
+        <p:nvSpPr>
+          <p:cNvPr id="12" name="TextBox 11">
+            <a:extLst>
+              <a:ext uri="{FF2B5EF4-FFF2-40B4-BE49-F238E27FC236}">
+                <a16:creationId xmlns:a16="http://schemas.microsoft.com/office/drawing/2014/main" id="{892DDBBB-DC55-4569-8666-0857BA42A7EB}"/>
+              </a:ext>
+            </a:extLst>
+          </p:cNvPr>
+          <p:cNvSpPr txBox="1"/>
+          <p:nvPr/>
+        </p:nvSpPr>
+        <p:spPr>
+          <a:xfrm>
+            <a:off x="11275690" y="276837"/>
+            <a:ext cx="550151" cy="338554"/>
+          </a:xfrm>
+          <a:prstGeom prst="rect">
+            <a:avLst/>
+          </a:prstGeom>
+          <a:noFill/>
+        </p:spPr>
+        <p:txBody>
+          <a:bodyPr wrap="none" rtlCol="0">
+            <a:spAutoFit/>
+          </a:bodyPr>
+          <a:lstStyle/>
+          <a:p>
+            <a:r>
+              <a:rPr lang="en-US" altLang="ko-KR" sz="1600" b="1" dirty="0">
+                <a:solidFill>
+                  <a:schemeClr val="bg1"/>
+                </a:solidFill>
+              </a:rPr>
+              <a:t>p39</a:t>
+            </a:r>
+            <a:endParaRPr lang="ko-KR" altLang="en-US" sz="1600" b="1" dirty="0">
+              <a:solidFill>
+                <a:schemeClr val="bg1"/>
+              </a:solidFill>
+            </a:endParaRPr>
+          </a:p>
+        </p:txBody>
+      </p:sp>
     </p:spTree>
     <p:extLst>
       <p:ext uri="{BB962C8B-B14F-4D97-AF65-F5344CB8AC3E}">
@@ -11319,6 +11451,50 @@
           </a:p>
         </p:txBody>
       </p:sp>
+      <p:sp>
+        <p:nvSpPr>
+          <p:cNvPr id="5" name="TextBox 4">
+            <a:extLst>
+              <a:ext uri="{FF2B5EF4-FFF2-40B4-BE49-F238E27FC236}">
+                <a16:creationId xmlns:a16="http://schemas.microsoft.com/office/drawing/2014/main" id="{D1F6BB8D-A5F6-4A67-95A5-32DD5232CBB9}"/>
+              </a:ext>
+            </a:extLst>
+          </p:cNvPr>
+          <p:cNvSpPr txBox="1"/>
+          <p:nvPr/>
+        </p:nvSpPr>
+        <p:spPr>
+          <a:xfrm>
+            <a:off x="11275690" y="276837"/>
+            <a:ext cx="550151" cy="338554"/>
+          </a:xfrm>
+          <a:prstGeom prst="rect">
+            <a:avLst/>
+          </a:prstGeom>
+          <a:noFill/>
+        </p:spPr>
+        <p:txBody>
+          <a:bodyPr wrap="none" rtlCol="0">
+            <a:spAutoFit/>
+          </a:bodyPr>
+          <a:lstStyle/>
+          <a:p>
+            <a:r>
+              <a:rPr lang="en-US" altLang="ko-KR" sz="1600" b="1" dirty="0">
+                <a:solidFill>
+                  <a:schemeClr val="bg1"/>
+                </a:solidFill>
+              </a:rPr>
+              <a:t>p40</a:t>
+            </a:r>
+            <a:endParaRPr lang="ko-KR" altLang="en-US" sz="1600" b="1" dirty="0">
+              <a:solidFill>
+                <a:schemeClr val="bg1"/>
+              </a:solidFill>
+            </a:endParaRPr>
+          </a:p>
+        </p:txBody>
+      </p:sp>
     </p:spTree>
     <p:extLst>
       <p:ext uri="{BB962C8B-B14F-4D97-AF65-F5344CB8AC3E}">
@@ -11372,15 +11548,27 @@
           <a:lstStyle/>
           <a:p>
             <a:r>
-              <a:rPr lang="ko-KR" altLang="en-US" b="1"/>
-              <a:t>문서의 몸통 </a:t>
-            </a:r>
-            <a:r>
-              <a:rPr lang="en-US" altLang="ko-KR" b="1"/>
+              <a:rPr lang="ko-KR" altLang="en-US" b="1" dirty="0"/>
+              <a:t>문서의 </a:t>
+            </a:r>
+            <a:r>
+              <a:rPr lang="ko-KR" altLang="en-US" b="1" dirty="0">
+                <a:solidFill>
+                  <a:srgbClr val="FF0000"/>
+                </a:solidFill>
+              </a:rPr>
+              <a:t>몸통</a:t>
+            </a:r>
+            <a:r>
+              <a:rPr lang="ko-KR" altLang="en-US" b="1" dirty="0"/>
+              <a:t> </a:t>
+            </a:r>
+            <a:r>
+              <a:rPr lang="en-US" altLang="ko-KR" b="1" dirty="0"/>
               <a:t>&lt;body&gt; </a:t>
             </a:r>
             <a:r>
-              <a:rPr lang="ko-KR" altLang="en-US" b="1"/>
+              <a:rPr lang="ko-KR" altLang="en-US" b="1" dirty="0"/>
               <a:t>태그</a:t>
             </a:r>
           </a:p>
@@ -11482,6 +11670,50 @@
               <a:rPr lang="ko-KR" altLang="en-US"/>
               <a:t> 기본 문서 구조</a:t>
             </a:r>
+          </a:p>
+        </p:txBody>
+      </p:sp>
+      <p:sp>
+        <p:nvSpPr>
+          <p:cNvPr id="5" name="TextBox 4">
+            <a:extLst>
+              <a:ext uri="{FF2B5EF4-FFF2-40B4-BE49-F238E27FC236}">
+                <a16:creationId xmlns:a16="http://schemas.microsoft.com/office/drawing/2014/main" id="{F12F73F0-B73F-47BD-986E-94283BB505E3}"/>
+              </a:ext>
+            </a:extLst>
+          </p:cNvPr>
+          <p:cNvSpPr txBox="1"/>
+          <p:nvPr/>
+        </p:nvSpPr>
+        <p:spPr>
+          <a:xfrm>
+            <a:off x="11275690" y="276837"/>
+            <a:ext cx="550151" cy="338554"/>
+          </a:xfrm>
+          <a:prstGeom prst="rect">
+            <a:avLst/>
+          </a:prstGeom>
+          <a:noFill/>
+        </p:spPr>
+        <p:txBody>
+          <a:bodyPr wrap="none" rtlCol="0">
+            <a:spAutoFit/>
+          </a:bodyPr>
+          <a:lstStyle/>
+          <a:p>
+            <a:r>
+              <a:rPr lang="en-US" altLang="ko-KR" sz="1600" b="1" dirty="0">
+                <a:solidFill>
+                  <a:schemeClr val="bg1"/>
+                </a:solidFill>
+              </a:rPr>
+              <a:t>p42</a:t>
+            </a:r>
+            <a:endParaRPr lang="ko-KR" altLang="en-US" sz="1600" b="1" dirty="0">
+              <a:solidFill>
+                <a:schemeClr val="bg1"/>
+              </a:solidFill>
+            </a:endParaRPr>
           </a:p>
         </p:txBody>
       </p:sp>
@@ -11815,6 +12047,50 @@
           </a:p>
         </p:txBody>
       </p:sp>
+      <p:sp>
+        <p:nvSpPr>
+          <p:cNvPr id="8" name="TextBox 7">
+            <a:extLst>
+              <a:ext uri="{FF2B5EF4-FFF2-40B4-BE49-F238E27FC236}">
+                <a16:creationId xmlns:a16="http://schemas.microsoft.com/office/drawing/2014/main" id="{6F6AE439-4917-4D89-B1B6-EF74609A04B3}"/>
+              </a:ext>
+            </a:extLst>
+          </p:cNvPr>
+          <p:cNvSpPr txBox="1"/>
+          <p:nvPr/>
+        </p:nvSpPr>
+        <p:spPr>
+          <a:xfrm>
+            <a:off x="11275690" y="276837"/>
+            <a:ext cx="550151" cy="338554"/>
+          </a:xfrm>
+          <a:prstGeom prst="rect">
+            <a:avLst/>
+          </a:prstGeom>
+          <a:noFill/>
+        </p:spPr>
+        <p:txBody>
+          <a:bodyPr wrap="none" rtlCol="0">
+            <a:spAutoFit/>
+          </a:bodyPr>
+          <a:lstStyle/>
+          <a:p>
+            <a:r>
+              <a:rPr lang="en-US" altLang="ko-KR" sz="1600" b="1" dirty="0">
+                <a:solidFill>
+                  <a:schemeClr val="bg1"/>
+                </a:solidFill>
+              </a:rPr>
+              <a:t>p44</a:t>
+            </a:r>
+            <a:endParaRPr lang="ko-KR" altLang="en-US" sz="1600" b="1" dirty="0">
+              <a:solidFill>
+                <a:schemeClr val="bg1"/>
+              </a:solidFill>
+            </a:endParaRPr>
+          </a:p>
+        </p:txBody>
+      </p:sp>
     </p:spTree>
     <p:extLst>
       <p:ext uri="{BB962C8B-B14F-4D97-AF65-F5344CB8AC3E}">
@@ -12111,6 +12387,50 @@
               <a:rPr lang="ko-KR" altLang="en-US"/>
               <a:t>웹 문서 만들고 업로드하기</a:t>
             </a:r>
+          </a:p>
+        </p:txBody>
+      </p:sp>
+      <p:sp>
+        <p:nvSpPr>
+          <p:cNvPr id="8" name="TextBox 7">
+            <a:extLst>
+              <a:ext uri="{FF2B5EF4-FFF2-40B4-BE49-F238E27FC236}">
+                <a16:creationId xmlns:a16="http://schemas.microsoft.com/office/drawing/2014/main" id="{6981ED30-A0F8-4CC0-83CE-81FCCD1A28BB}"/>
+              </a:ext>
+            </a:extLst>
+          </p:cNvPr>
+          <p:cNvSpPr txBox="1"/>
+          <p:nvPr/>
+        </p:nvSpPr>
+        <p:spPr>
+          <a:xfrm>
+            <a:off x="11275690" y="276837"/>
+            <a:ext cx="550151" cy="338554"/>
+          </a:xfrm>
+          <a:prstGeom prst="rect">
+            <a:avLst/>
+          </a:prstGeom>
+          <a:noFill/>
+        </p:spPr>
+        <p:txBody>
+          <a:bodyPr wrap="none" rtlCol="0">
+            <a:spAutoFit/>
+          </a:bodyPr>
+          <a:lstStyle/>
+          <a:p>
+            <a:r>
+              <a:rPr lang="en-US" altLang="ko-KR" sz="1600" b="1" dirty="0">
+                <a:solidFill>
+                  <a:schemeClr val="bg1"/>
+                </a:solidFill>
+              </a:rPr>
+              <a:t>p45</a:t>
+            </a:r>
+            <a:endParaRPr lang="ko-KR" altLang="en-US" sz="1600" b="1" dirty="0">
+              <a:solidFill>
+                <a:schemeClr val="bg1"/>
+              </a:solidFill>
+            </a:endParaRPr>
           </a:p>
         </p:txBody>
       </p:sp>
@@ -12985,6 +13305,50 @@
           </a:fontRef>
         </p:style>
       </p:cxnSp>
+      <p:sp>
+        <p:nvSpPr>
+          <p:cNvPr id="11" name="TextBox 10">
+            <a:extLst>
+              <a:ext uri="{FF2B5EF4-FFF2-40B4-BE49-F238E27FC236}">
+                <a16:creationId xmlns:a16="http://schemas.microsoft.com/office/drawing/2014/main" id="{7B3B3738-D8EB-4C03-8AF9-70A255D615DD}"/>
+              </a:ext>
+            </a:extLst>
+          </p:cNvPr>
+          <p:cNvSpPr txBox="1"/>
+          <p:nvPr/>
+        </p:nvSpPr>
+        <p:spPr>
+          <a:xfrm>
+            <a:off x="11275690" y="276837"/>
+            <a:ext cx="550151" cy="338554"/>
+          </a:xfrm>
+          <a:prstGeom prst="rect">
+            <a:avLst/>
+          </a:prstGeom>
+          <a:noFill/>
+        </p:spPr>
+        <p:txBody>
+          <a:bodyPr wrap="none" rtlCol="0">
+            <a:spAutoFit/>
+          </a:bodyPr>
+          <a:lstStyle/>
+          <a:p>
+            <a:r>
+              <a:rPr lang="en-US" altLang="ko-KR" sz="1600" b="1" dirty="0">
+                <a:solidFill>
+                  <a:schemeClr val="bg1"/>
+                </a:solidFill>
+              </a:rPr>
+              <a:t>p15</a:t>
+            </a:r>
+            <a:endParaRPr lang="ko-KR" altLang="en-US" sz="1600" b="1" dirty="0">
+              <a:solidFill>
+                <a:schemeClr val="bg1"/>
+              </a:solidFill>
+            </a:endParaRPr>
+          </a:p>
+        </p:txBody>
+      </p:sp>
     </p:spTree>
     <p:extLst>
       <p:ext uri="{BB962C8B-B14F-4D97-AF65-F5344CB8AC3E}">
@@ -13203,14 +13567,66 @@
           <a:lstStyle/>
           <a:p>
             <a:r>
-              <a:rPr lang="ko-KR" altLang="en-US" sz="2000" b="1"/>
-              <a:t>웹 표준이란 무엇일까</a:t>
-            </a:r>
-            <a:r>
-              <a:rPr lang="en-US" altLang="ko-KR" sz="2000" b="1"/>
+              <a:rPr lang="ko-KR" altLang="en-US" sz="2000" b="1" dirty="0">
+                <a:solidFill>
+                  <a:srgbClr val="FF0000"/>
+                </a:solidFill>
+              </a:rPr>
+              <a:t>웹 표준</a:t>
+            </a:r>
+            <a:r>
+              <a:rPr lang="ko-KR" altLang="en-US" sz="2000" b="1" dirty="0"/>
+              <a:t>이란 무엇일까</a:t>
+            </a:r>
+            <a:r>
+              <a:rPr lang="en-US" altLang="ko-KR" sz="2000" b="1" dirty="0"/>
               <a:t>?</a:t>
             </a:r>
-            <a:endParaRPr lang="ko-KR" altLang="en-US" sz="2000" b="1"/>
+            <a:endParaRPr lang="ko-KR" altLang="en-US" sz="2000" b="1" dirty="0"/>
+          </a:p>
+        </p:txBody>
+      </p:sp>
+      <p:sp>
+        <p:nvSpPr>
+          <p:cNvPr id="6" name="TextBox 5">
+            <a:extLst>
+              <a:ext uri="{FF2B5EF4-FFF2-40B4-BE49-F238E27FC236}">
+                <a16:creationId xmlns:a16="http://schemas.microsoft.com/office/drawing/2014/main" id="{6C51BD86-490C-4C5D-A329-87A6D6091238}"/>
+              </a:ext>
+            </a:extLst>
+          </p:cNvPr>
+          <p:cNvSpPr txBox="1"/>
+          <p:nvPr/>
+        </p:nvSpPr>
+        <p:spPr>
+          <a:xfrm>
+            <a:off x="11275690" y="276837"/>
+            <a:ext cx="550151" cy="338554"/>
+          </a:xfrm>
+          <a:prstGeom prst="rect">
+            <a:avLst/>
+          </a:prstGeom>
+          <a:noFill/>
+        </p:spPr>
+        <p:txBody>
+          <a:bodyPr wrap="none" rtlCol="0">
+            <a:spAutoFit/>
+          </a:bodyPr>
+          <a:lstStyle/>
+          <a:p>
+            <a:r>
+              <a:rPr lang="en-US" altLang="ko-KR" sz="1600" b="1" dirty="0">
+                <a:solidFill>
+                  <a:schemeClr val="bg1"/>
+                </a:solidFill>
+              </a:rPr>
+              <a:t>p17</a:t>
+            </a:r>
+            <a:endParaRPr lang="ko-KR" altLang="en-US" sz="1600" b="1" dirty="0">
+              <a:solidFill>
+                <a:schemeClr val="bg1"/>
+              </a:solidFill>
+            </a:endParaRPr>
           </a:p>
         </p:txBody>
       </p:sp>
@@ -13574,6 +13990,50 @@
           </a:p>
         </p:txBody>
       </p:sp>
+      <p:sp>
+        <p:nvSpPr>
+          <p:cNvPr id="10" name="TextBox 9">
+            <a:extLst>
+              <a:ext uri="{FF2B5EF4-FFF2-40B4-BE49-F238E27FC236}">
+                <a16:creationId xmlns:a16="http://schemas.microsoft.com/office/drawing/2014/main" id="{25734932-B683-4CA2-94B5-2CB735C8546E}"/>
+              </a:ext>
+            </a:extLst>
+          </p:cNvPr>
+          <p:cNvSpPr txBox="1"/>
+          <p:nvPr/>
+        </p:nvSpPr>
+        <p:spPr>
+          <a:xfrm>
+            <a:off x="11275690" y="276837"/>
+            <a:ext cx="550151" cy="338554"/>
+          </a:xfrm>
+          <a:prstGeom prst="rect">
+            <a:avLst/>
+          </a:prstGeom>
+          <a:noFill/>
+        </p:spPr>
+        <p:txBody>
+          <a:bodyPr wrap="none" rtlCol="0">
+            <a:spAutoFit/>
+          </a:bodyPr>
+          <a:lstStyle/>
+          <a:p>
+            <a:r>
+              <a:rPr lang="en-US" altLang="ko-KR" sz="1600" b="1" dirty="0">
+                <a:solidFill>
+                  <a:schemeClr val="bg1"/>
+                </a:solidFill>
+              </a:rPr>
+              <a:t>p17</a:t>
+            </a:r>
+            <a:endParaRPr lang="ko-KR" altLang="en-US" sz="1600" b="1" dirty="0">
+              <a:solidFill>
+                <a:schemeClr val="bg1"/>
+              </a:solidFill>
+            </a:endParaRPr>
+          </a:p>
+        </p:txBody>
+      </p:sp>
     </p:spTree>
     <p:extLst>
       <p:ext uri="{BB962C8B-B14F-4D97-AF65-F5344CB8AC3E}">
@@ -13916,6 +14376,50 @@
               <a:rPr lang="ko-KR" altLang="en-US"/>
               <a:t>과의 첫 만남</a:t>
             </a:r>
+          </a:p>
+        </p:txBody>
+      </p:sp>
+      <p:sp>
+        <p:nvSpPr>
+          <p:cNvPr id="7" name="TextBox 6">
+            <a:extLst>
+              <a:ext uri="{FF2B5EF4-FFF2-40B4-BE49-F238E27FC236}">
+                <a16:creationId xmlns:a16="http://schemas.microsoft.com/office/drawing/2014/main" id="{72B8BF21-B956-45B5-A734-614D757B78C5}"/>
+              </a:ext>
+            </a:extLst>
+          </p:cNvPr>
+          <p:cNvSpPr txBox="1"/>
+          <p:nvPr/>
+        </p:nvSpPr>
+        <p:spPr>
+          <a:xfrm>
+            <a:off x="11275690" y="276837"/>
+            <a:ext cx="550151" cy="338554"/>
+          </a:xfrm>
+          <a:prstGeom prst="rect">
+            <a:avLst/>
+          </a:prstGeom>
+          <a:noFill/>
+        </p:spPr>
+        <p:txBody>
+          <a:bodyPr wrap="none" rtlCol="0">
+            <a:spAutoFit/>
+          </a:bodyPr>
+          <a:lstStyle/>
+          <a:p>
+            <a:r>
+              <a:rPr lang="en-US" altLang="ko-KR" sz="1600" b="1" dirty="0">
+                <a:solidFill>
+                  <a:schemeClr val="bg1"/>
+                </a:solidFill>
+              </a:rPr>
+              <a:t>p19</a:t>
+            </a:r>
+            <a:endParaRPr lang="ko-KR" altLang="en-US" sz="1600" b="1" dirty="0">
+              <a:solidFill>
+                <a:schemeClr val="bg1"/>
+              </a:solidFill>
+            </a:endParaRPr>
           </a:p>
         </p:txBody>
       </p:sp>
@@ -14120,6 +14624,50 @@
               <a:rPr lang="ko-KR" altLang="en-US"/>
               <a:t>웹 브라우저와 웹 편집기</a:t>
             </a:r>
+          </a:p>
+        </p:txBody>
+      </p:sp>
+      <p:sp>
+        <p:nvSpPr>
+          <p:cNvPr id="7" name="TextBox 6">
+            <a:extLst>
+              <a:ext uri="{FF2B5EF4-FFF2-40B4-BE49-F238E27FC236}">
+                <a16:creationId xmlns:a16="http://schemas.microsoft.com/office/drawing/2014/main" id="{617891CA-BB9E-45B1-B820-20D424755D9D}"/>
+              </a:ext>
+            </a:extLst>
+          </p:cNvPr>
+          <p:cNvSpPr txBox="1"/>
+          <p:nvPr/>
+        </p:nvSpPr>
+        <p:spPr>
+          <a:xfrm>
+            <a:off x="11275690" y="276837"/>
+            <a:ext cx="550151" cy="338554"/>
+          </a:xfrm>
+          <a:prstGeom prst="rect">
+            <a:avLst/>
+          </a:prstGeom>
+          <a:noFill/>
+        </p:spPr>
+        <p:txBody>
+          <a:bodyPr wrap="none" rtlCol="0">
+            <a:spAutoFit/>
+          </a:bodyPr>
+          <a:lstStyle/>
+          <a:p>
+            <a:r>
+              <a:rPr lang="en-US" altLang="ko-KR" sz="1600" b="1" dirty="0">
+                <a:solidFill>
+                  <a:schemeClr val="bg1"/>
+                </a:solidFill>
+              </a:rPr>
+              <a:t>p21</a:t>
+            </a:r>
+            <a:endParaRPr lang="ko-KR" altLang="en-US" sz="1600" b="1" dirty="0">
+              <a:solidFill>
+                <a:schemeClr val="bg1"/>
+              </a:solidFill>
+            </a:endParaRPr>
           </a:p>
         </p:txBody>
       </p:sp>
@@ -14445,6 +14993,50 @@
           </a:p>
         </p:txBody>
       </p:sp>
+      <p:sp>
+        <p:nvSpPr>
+          <p:cNvPr id="8" name="TextBox 7">
+            <a:extLst>
+              <a:ext uri="{FF2B5EF4-FFF2-40B4-BE49-F238E27FC236}">
+                <a16:creationId xmlns:a16="http://schemas.microsoft.com/office/drawing/2014/main" id="{E8D36B9D-8BB9-404D-BCFE-02765930A282}"/>
+              </a:ext>
+            </a:extLst>
+          </p:cNvPr>
+          <p:cNvSpPr txBox="1"/>
+          <p:nvPr/>
+        </p:nvSpPr>
+        <p:spPr>
+          <a:xfrm>
+            <a:off x="11275690" y="276837"/>
+            <a:ext cx="550151" cy="338554"/>
+          </a:xfrm>
+          <a:prstGeom prst="rect">
+            <a:avLst/>
+          </a:prstGeom>
+          <a:noFill/>
+        </p:spPr>
+        <p:txBody>
+          <a:bodyPr wrap="none" rtlCol="0">
+            <a:spAutoFit/>
+          </a:bodyPr>
+          <a:lstStyle/>
+          <a:p>
+            <a:r>
+              <a:rPr lang="en-US" altLang="ko-KR" sz="1600" b="1" dirty="0">
+                <a:solidFill>
+                  <a:schemeClr val="bg1"/>
+                </a:solidFill>
+              </a:rPr>
+              <a:t>p23</a:t>
+            </a:r>
+            <a:endParaRPr lang="ko-KR" altLang="en-US" sz="1600" b="1" dirty="0">
+              <a:solidFill>
+                <a:schemeClr val="bg1"/>
+              </a:solidFill>
+            </a:endParaRPr>
+          </a:p>
+        </p:txBody>
+      </p:sp>
     </p:spTree>
     <p:extLst>
       <p:ext uri="{BB962C8B-B14F-4D97-AF65-F5344CB8AC3E}">
@@ -14653,6 +15245,50 @@
               <a:rPr lang="ko-KR" altLang="en-US"/>
               <a:t>웹 브라우저와 웹 편집기</a:t>
             </a:r>
+          </a:p>
+        </p:txBody>
+      </p:sp>
+      <p:sp>
+        <p:nvSpPr>
+          <p:cNvPr id="6" name="TextBox 5">
+            <a:extLst>
+              <a:ext uri="{FF2B5EF4-FFF2-40B4-BE49-F238E27FC236}">
+                <a16:creationId xmlns:a16="http://schemas.microsoft.com/office/drawing/2014/main" id="{308B64A0-B1CF-4895-86ED-A67EBCD74224}"/>
+              </a:ext>
+            </a:extLst>
+          </p:cNvPr>
+          <p:cNvSpPr txBox="1"/>
+          <p:nvPr/>
+        </p:nvSpPr>
+        <p:spPr>
+          <a:xfrm>
+            <a:off x="11275690" y="276837"/>
+            <a:ext cx="550151" cy="338554"/>
+          </a:xfrm>
+          <a:prstGeom prst="rect">
+            <a:avLst/>
+          </a:prstGeom>
+          <a:noFill/>
+        </p:spPr>
+        <p:txBody>
+          <a:bodyPr wrap="none" rtlCol="0">
+            <a:spAutoFit/>
+          </a:bodyPr>
+          <a:lstStyle/>
+          <a:p>
+            <a:r>
+              <a:rPr lang="en-US" altLang="ko-KR" sz="1600" b="1" dirty="0">
+                <a:solidFill>
+                  <a:schemeClr val="bg1"/>
+                </a:solidFill>
+              </a:rPr>
+              <a:t>p24</a:t>
+            </a:r>
+            <a:endParaRPr lang="ko-KR" altLang="en-US" sz="1600" b="1" dirty="0">
+              <a:solidFill>
+                <a:schemeClr val="bg1"/>
+              </a:solidFill>
+            </a:endParaRPr>
           </a:p>
         </p:txBody>
       </p:sp>
